--- a/Python Session/Python_13_may.pptx
+++ b/Python Session/Python_13_may.pptx
@@ -5,9 +5,9 @@
     <p:sldMasterId id="2147483660" r:id="rId1"/>
   </p:sldMasterIdLst>
   <p:sldIdLst>
-    <p:sldId id="256" r:id="rId2"/>
-    <p:sldId id="259" r:id="rId3"/>
-    <p:sldId id="257" r:id="rId4"/>
+    <p:sldId id="260" r:id="rId2"/>
+    <p:sldId id="261" r:id="rId3"/>
+    <p:sldId id="263" r:id="rId4"/>
   </p:sldIdLst>
   <p:sldSz cx="12192000" cy="6858000"/>
   <p:notesSz cx="6858000" cy="9144000"/>
@@ -340,7 +340,7 @@
           <a:p>
             <a:fld id="{89423816-5A68-4C9F-82ED-FF89F03C3494}" type="datetimeFigureOut">
               <a:rPr lang="en-IN" smtClean="0"/>
-              <a:t>09-05-2022</a:t>
+              <a:t>13-05-2022</a:t>
             </a:fld>
             <a:endParaRPr lang="en-IN"/>
           </a:p>
@@ -548,7 +548,7 @@
           <a:p>
             <a:fld id="{89423816-5A68-4C9F-82ED-FF89F03C3494}" type="datetimeFigureOut">
               <a:rPr lang="en-IN" smtClean="0"/>
-              <a:t>09-05-2022</a:t>
+              <a:t>13-05-2022</a:t>
             </a:fld>
             <a:endParaRPr lang="en-IN"/>
           </a:p>
@@ -804,7 +804,7 @@
           <a:p>
             <a:fld id="{89423816-5A68-4C9F-82ED-FF89F03C3494}" type="datetimeFigureOut">
               <a:rPr lang="en-IN" smtClean="0"/>
-              <a:t>09-05-2022</a:t>
+              <a:t>13-05-2022</a:t>
             </a:fld>
             <a:endParaRPr lang="en-IN"/>
           </a:p>
@@ -978,7 +978,7 @@
           <a:p>
             <a:fld id="{89423816-5A68-4C9F-82ED-FF89F03C3494}" type="datetimeFigureOut">
               <a:rPr lang="en-IN" smtClean="0"/>
-              <a:t>09-05-2022</a:t>
+              <a:t>13-05-2022</a:t>
             </a:fld>
             <a:endParaRPr lang="en-IN"/>
           </a:p>
@@ -1321,7 +1321,7 @@
           <a:p>
             <a:fld id="{89423816-5A68-4C9F-82ED-FF89F03C3494}" type="datetimeFigureOut">
               <a:rPr lang="en-IN" smtClean="0"/>
-              <a:t>09-05-2022</a:t>
+              <a:t>13-05-2022</a:t>
             </a:fld>
             <a:endParaRPr lang="en-IN"/>
           </a:p>
@@ -1596,7 +1596,7 @@
           <a:p>
             <a:fld id="{89423816-5A68-4C9F-82ED-FF89F03C3494}" type="datetimeFigureOut">
               <a:rPr lang="en-IN" smtClean="0"/>
-              <a:t>09-05-2022</a:t>
+              <a:t>13-05-2022</a:t>
             </a:fld>
             <a:endParaRPr lang="en-IN"/>
           </a:p>
@@ -1975,7 +1975,7 @@
           <a:p>
             <a:fld id="{89423816-5A68-4C9F-82ED-FF89F03C3494}" type="datetimeFigureOut">
               <a:rPr lang="en-IN" smtClean="0"/>
-              <a:t>09-05-2022</a:t>
+              <a:t>13-05-2022</a:t>
             </a:fld>
             <a:endParaRPr lang="en-IN"/>
           </a:p>
@@ -2093,7 +2093,7 @@
           <a:p>
             <a:fld id="{89423816-5A68-4C9F-82ED-FF89F03C3494}" type="datetimeFigureOut">
               <a:rPr lang="en-IN" smtClean="0"/>
-              <a:t>09-05-2022</a:t>
+              <a:t>13-05-2022</a:t>
             </a:fld>
             <a:endParaRPr lang="en-IN"/>
           </a:p>
@@ -2264,7 +2264,7 @@
           <a:p>
             <a:fld id="{89423816-5A68-4C9F-82ED-FF89F03C3494}" type="datetimeFigureOut">
               <a:rPr lang="en-IN" smtClean="0"/>
-              <a:t>09-05-2022</a:t>
+              <a:t>13-05-2022</a:t>
             </a:fld>
             <a:endParaRPr lang="en-IN"/>
           </a:p>
@@ -2618,7 +2618,7 @@
           <a:p>
             <a:fld id="{89423816-5A68-4C9F-82ED-FF89F03C3494}" type="datetimeFigureOut">
               <a:rPr lang="en-IN" smtClean="0"/>
-              <a:t>09-05-2022</a:t>
+              <a:t>13-05-2022</a:t>
             </a:fld>
             <a:endParaRPr lang="en-IN"/>
           </a:p>
@@ -3000,7 +3000,7 @@
           <a:p>
             <a:fld id="{89423816-5A68-4C9F-82ED-FF89F03C3494}" type="datetimeFigureOut">
               <a:rPr lang="en-IN" smtClean="0"/>
-              <a:t>09-05-2022</a:t>
+              <a:t>13-05-2022</a:t>
             </a:fld>
             <a:endParaRPr lang="en-IN"/>
           </a:p>
@@ -3287,7 +3287,7 @@
           <a:p>
             <a:fld id="{89423816-5A68-4C9F-82ED-FF89F03C3494}" type="datetimeFigureOut">
               <a:rPr lang="en-IN" smtClean="0"/>
-              <a:t>09-05-2022</a:t>
+              <a:t>13-05-2022</a:t>
             </a:fld>
             <a:endParaRPr lang="en-IN"/>
           </a:p>
@@ -3823,8 +3823,8 @@
         </p:nvSpPr>
         <p:spPr>
           <a:xfrm>
-            <a:off x="4221622" y="105918"/>
-            <a:ext cx="2777384" cy="749300"/>
+            <a:off x="4631821" y="123009"/>
+            <a:ext cx="2264636" cy="749300"/>
           </a:xfrm>
         </p:spPr>
         <p:txBody>
@@ -3834,1680 +3834,10 @@
           <a:lstStyle/>
           <a:p>
             <a:r>
-              <a:rPr lang="en-US" b="1" u="sng" dirty="0" smtClean="0">
-                <a:latin typeface="Algerian" panose="04020705040A02060702" pitchFamily="82" charset="0"/>
-              </a:rPr>
-              <a:t>Tuples</a:t>
-            </a:r>
-            <a:endParaRPr lang="en-IN" b="1" u="sng" dirty="0">
-              <a:latin typeface="Algerian" panose="04020705040A02060702" pitchFamily="82" charset="0"/>
-            </a:endParaRPr>
-          </a:p>
-        </p:txBody>
-      </p:sp>
-      <p:sp>
-        <p:nvSpPr>
-          <p:cNvPr id="3" name="Subtitle 2"/>
-          <p:cNvSpPr>
-            <a:spLocks noGrp="1"/>
-          </p:cNvSpPr>
-          <p:nvPr>
-            <p:ph type="subTitle" idx="4294967295"/>
-          </p:nvPr>
-        </p:nvSpPr>
-        <p:spPr>
-          <a:xfrm>
-            <a:off x="401652" y="855218"/>
-            <a:ext cx="10075492" cy="5477216"/>
-          </a:xfrm>
-        </p:spPr>
-        <p:txBody>
-          <a:bodyPr>
-            <a:noAutofit/>
-          </a:bodyPr>
-          <a:lstStyle/>
-          <a:p>
-            <a:pPr algn="l">
-              <a:buFont typeface="Wingdings" panose="05000000000000000000" pitchFamily="2" charset="2"/>
-              <a:buChar char="q"/>
-            </a:pPr>
-            <a:r>
-              <a:rPr lang="en-US" sz="1600" dirty="0" smtClean="0"/>
-              <a:t>Python string is a collection of Unicode Character.</a:t>
-            </a:r>
-          </a:p>
-          <a:p>
-            <a:pPr algn="l">
-              <a:buFont typeface="Wingdings" panose="05000000000000000000" pitchFamily="2" charset="2"/>
-              <a:buChar char="q"/>
-            </a:pPr>
-            <a:r>
-              <a:rPr lang="en-US" sz="1600" dirty="0" smtClean="0"/>
-              <a:t>String are immutable. They cannot be change.</a:t>
-            </a:r>
-          </a:p>
-          <a:p>
-            <a:pPr algn="l">
-              <a:buFont typeface="Wingdings" panose="05000000000000000000" pitchFamily="2" charset="2"/>
-              <a:buChar char="q"/>
-            </a:pPr>
-            <a:r>
-              <a:rPr lang="en-US" sz="1600" dirty="0" smtClean="0"/>
-              <a:t>Python string can be enclosed in single, double or triple quotes.</a:t>
-            </a:r>
-          </a:p>
-          <a:p>
-            <a:pPr algn="l"/>
-            <a:r>
-              <a:rPr lang="en-US" b="1" u="sng" dirty="0" smtClean="0"/>
-              <a:t>String index:</a:t>
-            </a:r>
-          </a:p>
-          <a:p>
-            <a:pPr algn="l"/>
-            <a:r>
-              <a:rPr lang="en-US" sz="1600" dirty="0"/>
-              <a:t>	</a:t>
-            </a:r>
-            <a:r>
-              <a:rPr lang="en-US" sz="1600" dirty="0" err="1"/>
-              <a:t>M</a:t>
-            </a:r>
-            <a:r>
-              <a:rPr lang="en-US" sz="1600" dirty="0" err="1" smtClean="0"/>
-              <a:t>sg</a:t>
-            </a:r>
-            <a:r>
-              <a:rPr lang="en-US" sz="1600" dirty="0" smtClean="0"/>
-              <a:t> = “HELLO PYTHON”</a:t>
-            </a:r>
-          </a:p>
-          <a:p>
-            <a:pPr algn="l"/>
-            <a:endParaRPr lang="en-US" sz="1600" dirty="0" smtClean="0"/>
-          </a:p>
-          <a:p>
-            <a:pPr algn="l"/>
-            <a:endParaRPr lang="en-US" sz="1600" dirty="0" smtClean="0"/>
-          </a:p>
-          <a:p>
-            <a:pPr algn="l"/>
-            <a:endParaRPr lang="en-US" sz="1600" dirty="0" smtClean="0"/>
-          </a:p>
-          <a:p>
-            <a:pPr algn="l"/>
-            <a:endParaRPr lang="en-US" sz="1600" dirty="0" smtClean="0"/>
-          </a:p>
-          <a:p>
-            <a:pPr algn="l"/>
-            <a:r>
-              <a:rPr lang="en-US" sz="1600" dirty="0" smtClean="0"/>
-              <a:t>Accessing element:</a:t>
-            </a:r>
-          </a:p>
-          <a:p>
-            <a:pPr algn="l"/>
-            <a:r>
-              <a:rPr lang="en-US" sz="1600" dirty="0" err="1" smtClean="0"/>
-              <a:t>Msg</a:t>
-            </a:r>
-            <a:r>
-              <a:rPr lang="en-US" sz="1600" dirty="0" smtClean="0"/>
-              <a:t>[0]	# H</a:t>
-            </a:r>
-          </a:p>
-          <a:p>
-            <a:pPr algn="l"/>
-            <a:r>
-              <a:rPr lang="en-US" sz="1600" dirty="0" err="1" smtClean="0"/>
-              <a:t>Msg</a:t>
-            </a:r>
-            <a:r>
-              <a:rPr lang="en-US" sz="1600" dirty="0" smtClean="0"/>
-              <a:t>[3]</a:t>
-            </a:r>
-            <a:r>
-              <a:rPr lang="en-US" sz="1600" dirty="0"/>
-              <a:t>	# </a:t>
-            </a:r>
-            <a:r>
-              <a:rPr lang="en-US" sz="1600" dirty="0" smtClean="0"/>
-              <a:t>L</a:t>
-            </a:r>
-          </a:p>
-          <a:p>
-            <a:pPr algn="l"/>
-            <a:r>
-              <a:rPr lang="en-US" sz="1600" dirty="0" err="1" smtClean="0"/>
-              <a:t>Msg</a:t>
-            </a:r>
-            <a:r>
-              <a:rPr lang="en-US" sz="1600" dirty="0" smtClean="0"/>
-              <a:t>[-1]</a:t>
-            </a:r>
-            <a:r>
-              <a:rPr lang="en-US" sz="1600" dirty="0"/>
-              <a:t>	# </a:t>
-            </a:r>
-            <a:r>
-              <a:rPr lang="en-US" sz="1600" dirty="0" smtClean="0"/>
-              <a:t>N</a:t>
-            </a:r>
-          </a:p>
-          <a:p>
-            <a:pPr algn="l"/>
-            <a:r>
-              <a:rPr lang="en-US" sz="1600" dirty="0" err="1" smtClean="0"/>
-              <a:t>Msg</a:t>
-            </a:r>
-            <a:r>
-              <a:rPr lang="en-US" sz="1600" dirty="0" smtClean="0"/>
-              <a:t>[2:7]</a:t>
-            </a:r>
-            <a:r>
-              <a:rPr lang="en-US" sz="1600" dirty="0"/>
-              <a:t>	# </a:t>
-            </a:r>
-            <a:r>
-              <a:rPr lang="en-US" sz="1600" dirty="0" smtClean="0"/>
-              <a:t>LLO P</a:t>
-            </a:r>
-            <a:endParaRPr lang="en-US" sz="1600" dirty="0"/>
-          </a:p>
-          <a:p>
-            <a:pPr algn="l"/>
-            <a:endParaRPr lang="en-US" sz="1600" dirty="0"/>
-          </a:p>
-          <a:p>
-            <a:pPr algn="l"/>
-            <a:endParaRPr lang="en-US" sz="1600" dirty="0"/>
-          </a:p>
-          <a:p>
-            <a:pPr algn="l"/>
-            <a:endParaRPr lang="en-US" sz="1600" dirty="0" smtClean="0"/>
-          </a:p>
-          <a:p>
-            <a:pPr algn="l"/>
-            <a:endParaRPr lang="en-US" sz="1600" dirty="0" smtClean="0"/>
-          </a:p>
-          <a:p>
-            <a:pPr algn="l"/>
-            <a:endParaRPr lang="en-US" sz="1600" dirty="0" smtClean="0"/>
-          </a:p>
-          <a:p>
-            <a:pPr algn="l"/>
-            <a:endParaRPr lang="en-US" sz="1600" dirty="0" smtClean="0"/>
-          </a:p>
-          <a:p>
-            <a:pPr algn="l"/>
-            <a:endParaRPr lang="en-US" sz="1600" dirty="0"/>
-          </a:p>
-          <a:p>
-            <a:pPr algn="l"/>
-            <a:endParaRPr lang="en-US" sz="1600" dirty="0" smtClean="0"/>
-          </a:p>
-          <a:p>
-            <a:pPr algn="l"/>
-            <a:endParaRPr lang="en-IN" sz="1600" dirty="0"/>
-          </a:p>
-        </p:txBody>
-      </p:sp>
-      <p:graphicFrame>
-        <p:nvGraphicFramePr>
-          <p:cNvPr id="4" name="Table 3"/>
-          <p:cNvGraphicFramePr>
-            <a:graphicFrameLocks noGrp="1"/>
-          </p:cNvGraphicFramePr>
-          <p:nvPr>
-            <p:extLst>
-              <p:ext uri="{D42A27DB-BD31-4B8C-83A1-F6EECF244321}">
-                <p14:modId xmlns:p14="http://schemas.microsoft.com/office/powerpoint/2010/main" val="1409182153"/>
-              </p:ext>
-            </p:extLst>
-          </p:nvPr>
-        </p:nvGraphicFramePr>
-        <p:xfrm>
-          <a:off x="2014907" y="3008118"/>
-          <a:ext cx="8128003" cy="1107440"/>
-        </p:xfrm>
-        <a:graphic>
-          <a:graphicData uri="http://schemas.openxmlformats.org/drawingml/2006/table">
-            <a:tbl>
-              <a:tblPr firstRow="1" bandRow="1">
-                <a:tableStyleId>{5C22544A-7EE6-4342-B048-85BDC9FD1C3A}</a:tableStyleId>
-              </a:tblPr>
-              <a:tblGrid>
-                <a:gridCol w="839387"/>
-                <a:gridCol w="512748"/>
-                <a:gridCol w="523558"/>
-                <a:gridCol w="625231"/>
-                <a:gridCol w="625231"/>
-                <a:gridCol w="625231"/>
-                <a:gridCol w="625231"/>
-                <a:gridCol w="625231"/>
-                <a:gridCol w="625231"/>
-                <a:gridCol w="625231"/>
-                <a:gridCol w="625231"/>
-                <a:gridCol w="625231"/>
-                <a:gridCol w="625231"/>
-              </a:tblGrid>
-              <a:tr h="364114">
-                <a:tc>
-                  <a:txBody>
-                    <a:bodyPr/>
-                    <a:lstStyle/>
-                    <a:p>
-                      <a:r>
-                        <a:rPr lang="en-US" dirty="0" err="1" smtClean="0"/>
-                        <a:t>Str</a:t>
-                      </a:r>
-                      <a:endParaRPr lang="en-IN" dirty="0"/>
-                    </a:p>
-                  </a:txBody>
-                  <a:tcPr/>
-                </a:tc>
-                <a:tc>
-                  <a:txBody>
-                    <a:bodyPr/>
-                    <a:lstStyle/>
-                    <a:p>
-                      <a:r>
-                        <a:rPr lang="en-US" dirty="0" smtClean="0"/>
-                        <a:t>H</a:t>
-                      </a:r>
-                      <a:endParaRPr lang="en-IN" dirty="0"/>
-                    </a:p>
-                  </a:txBody>
-                  <a:tcPr/>
-                </a:tc>
-                <a:tc>
-                  <a:txBody>
-                    <a:bodyPr/>
-                    <a:lstStyle/>
-                    <a:p>
-                      <a:r>
-                        <a:rPr lang="en-US" dirty="0" smtClean="0"/>
-                        <a:t>E</a:t>
-                      </a:r>
-                      <a:endParaRPr lang="en-IN" dirty="0"/>
-                    </a:p>
-                  </a:txBody>
-                  <a:tcPr/>
-                </a:tc>
-                <a:tc>
-                  <a:txBody>
-                    <a:bodyPr/>
-                    <a:lstStyle/>
-                    <a:p>
-                      <a:r>
-                        <a:rPr lang="en-US" dirty="0" smtClean="0"/>
-                        <a:t>L</a:t>
-                      </a:r>
-                      <a:endParaRPr lang="en-IN" dirty="0"/>
-                    </a:p>
-                  </a:txBody>
-                  <a:tcPr/>
-                </a:tc>
-                <a:tc>
-                  <a:txBody>
-                    <a:bodyPr/>
-                    <a:lstStyle/>
-                    <a:p>
-                      <a:r>
-                        <a:rPr lang="en-US" dirty="0" smtClean="0"/>
-                        <a:t>L</a:t>
-                      </a:r>
-                      <a:endParaRPr lang="en-IN" dirty="0"/>
-                    </a:p>
-                  </a:txBody>
-                  <a:tcPr/>
-                </a:tc>
-                <a:tc>
-                  <a:txBody>
-                    <a:bodyPr/>
-                    <a:lstStyle/>
-                    <a:p>
-                      <a:r>
-                        <a:rPr lang="en-US" dirty="0" smtClean="0"/>
-                        <a:t>O</a:t>
-                      </a:r>
-                      <a:endParaRPr lang="en-IN" dirty="0"/>
-                    </a:p>
-                  </a:txBody>
-                  <a:tcPr/>
-                </a:tc>
-                <a:tc>
-                  <a:txBody>
-                    <a:bodyPr/>
-                    <a:lstStyle/>
-                    <a:p>
-                      <a:endParaRPr lang="en-IN" dirty="0"/>
-                    </a:p>
-                  </a:txBody>
-                  <a:tcPr/>
-                </a:tc>
-                <a:tc>
-                  <a:txBody>
-                    <a:bodyPr/>
-                    <a:lstStyle/>
-                    <a:p>
-                      <a:r>
-                        <a:rPr lang="en-US" dirty="0" smtClean="0"/>
-                        <a:t>P</a:t>
-                      </a:r>
-                      <a:endParaRPr lang="en-IN" dirty="0"/>
-                    </a:p>
-                  </a:txBody>
-                  <a:tcPr/>
-                </a:tc>
-                <a:tc>
-                  <a:txBody>
-                    <a:bodyPr/>
-                    <a:lstStyle/>
-                    <a:p>
-                      <a:r>
-                        <a:rPr lang="en-US" dirty="0" smtClean="0"/>
-                        <a:t>Y</a:t>
-                      </a:r>
-                      <a:endParaRPr lang="en-IN" dirty="0"/>
-                    </a:p>
-                  </a:txBody>
-                  <a:tcPr/>
-                </a:tc>
-                <a:tc>
-                  <a:txBody>
-                    <a:bodyPr/>
-                    <a:lstStyle/>
-                    <a:p>
-                      <a:r>
-                        <a:rPr lang="en-US" dirty="0" smtClean="0"/>
-                        <a:t>T</a:t>
-                      </a:r>
-                      <a:endParaRPr lang="en-IN" dirty="0"/>
-                    </a:p>
-                  </a:txBody>
-                  <a:tcPr/>
-                </a:tc>
-                <a:tc>
-                  <a:txBody>
-                    <a:bodyPr/>
-                    <a:lstStyle/>
-                    <a:p>
-                      <a:r>
-                        <a:rPr lang="en-US" dirty="0" smtClean="0"/>
-                        <a:t>H</a:t>
-                      </a:r>
-                      <a:endParaRPr lang="en-IN" dirty="0"/>
-                    </a:p>
-                  </a:txBody>
-                  <a:tcPr/>
-                </a:tc>
-                <a:tc>
-                  <a:txBody>
-                    <a:bodyPr/>
-                    <a:lstStyle/>
-                    <a:p>
-                      <a:r>
-                        <a:rPr lang="en-US" dirty="0" smtClean="0"/>
-                        <a:t>O</a:t>
-                      </a:r>
-                      <a:endParaRPr lang="en-IN" dirty="0"/>
-                    </a:p>
-                  </a:txBody>
-                  <a:tcPr/>
-                </a:tc>
-                <a:tc>
-                  <a:txBody>
-                    <a:bodyPr/>
-                    <a:lstStyle/>
-                    <a:p>
-                      <a:r>
-                        <a:rPr lang="en-US" dirty="0" smtClean="0"/>
-                        <a:t>N</a:t>
-                      </a:r>
-                      <a:endParaRPr lang="en-IN" dirty="0"/>
-                    </a:p>
-                  </a:txBody>
-                  <a:tcPr/>
-                </a:tc>
-              </a:tr>
-              <a:tr h="370840">
-                <a:tc>
-                  <a:txBody>
-                    <a:bodyPr/>
-                    <a:lstStyle/>
-                    <a:p>
-                      <a:r>
-                        <a:rPr lang="en-US" dirty="0" smtClean="0"/>
-                        <a:t>+Index</a:t>
-                      </a:r>
-                      <a:endParaRPr lang="en-IN" dirty="0"/>
-                    </a:p>
-                  </a:txBody>
-                  <a:tcPr/>
-                </a:tc>
-                <a:tc>
-                  <a:txBody>
-                    <a:bodyPr/>
-                    <a:lstStyle/>
-                    <a:p>
-                      <a:r>
-                        <a:rPr lang="en-US" dirty="0" smtClean="0"/>
-                        <a:t>0</a:t>
-                      </a:r>
-                      <a:endParaRPr lang="en-IN" dirty="0"/>
-                    </a:p>
-                  </a:txBody>
-                  <a:tcPr/>
-                </a:tc>
-                <a:tc>
-                  <a:txBody>
-                    <a:bodyPr/>
-                    <a:lstStyle/>
-                    <a:p>
-                      <a:r>
-                        <a:rPr lang="en-US" dirty="0" smtClean="0"/>
-                        <a:t>1</a:t>
-                      </a:r>
-                      <a:endParaRPr lang="en-IN" dirty="0"/>
-                    </a:p>
-                  </a:txBody>
-                  <a:tcPr/>
-                </a:tc>
-                <a:tc>
-                  <a:txBody>
-                    <a:bodyPr/>
-                    <a:lstStyle/>
-                    <a:p>
-                      <a:r>
-                        <a:rPr lang="en-US" dirty="0" smtClean="0"/>
-                        <a:t>2</a:t>
-                      </a:r>
-                      <a:endParaRPr lang="en-IN" dirty="0"/>
-                    </a:p>
-                  </a:txBody>
-                  <a:tcPr/>
-                </a:tc>
-                <a:tc>
-                  <a:txBody>
-                    <a:bodyPr/>
-                    <a:lstStyle/>
-                    <a:p>
-                      <a:r>
-                        <a:rPr lang="en-US" dirty="0" smtClean="0"/>
-                        <a:t>3</a:t>
-                      </a:r>
-                      <a:endParaRPr lang="en-IN" dirty="0"/>
-                    </a:p>
-                  </a:txBody>
-                  <a:tcPr/>
-                </a:tc>
-                <a:tc>
-                  <a:txBody>
-                    <a:bodyPr/>
-                    <a:lstStyle/>
-                    <a:p>
-                      <a:r>
-                        <a:rPr lang="en-US" dirty="0" smtClean="0"/>
-                        <a:t>4</a:t>
-                      </a:r>
-                      <a:endParaRPr lang="en-IN" dirty="0"/>
-                    </a:p>
-                  </a:txBody>
-                  <a:tcPr/>
-                </a:tc>
-                <a:tc>
-                  <a:txBody>
-                    <a:bodyPr/>
-                    <a:lstStyle/>
-                    <a:p>
-                      <a:r>
-                        <a:rPr lang="en-US" dirty="0" smtClean="0"/>
-                        <a:t>5</a:t>
-                      </a:r>
-                      <a:endParaRPr lang="en-IN" dirty="0"/>
-                    </a:p>
-                  </a:txBody>
-                  <a:tcPr/>
-                </a:tc>
-                <a:tc>
-                  <a:txBody>
-                    <a:bodyPr/>
-                    <a:lstStyle/>
-                    <a:p>
-                      <a:r>
-                        <a:rPr lang="en-US" dirty="0" smtClean="0"/>
-                        <a:t>6</a:t>
-                      </a:r>
-                      <a:endParaRPr lang="en-IN" dirty="0"/>
-                    </a:p>
-                  </a:txBody>
-                  <a:tcPr/>
-                </a:tc>
-                <a:tc>
-                  <a:txBody>
-                    <a:bodyPr/>
-                    <a:lstStyle/>
-                    <a:p>
-                      <a:r>
-                        <a:rPr lang="en-US" dirty="0" smtClean="0"/>
-                        <a:t>7</a:t>
-                      </a:r>
-                      <a:endParaRPr lang="en-IN" dirty="0"/>
-                    </a:p>
-                  </a:txBody>
-                  <a:tcPr/>
-                </a:tc>
-                <a:tc>
-                  <a:txBody>
-                    <a:bodyPr/>
-                    <a:lstStyle/>
-                    <a:p>
-                      <a:r>
-                        <a:rPr lang="en-US" dirty="0" smtClean="0"/>
-                        <a:t>8</a:t>
-                      </a:r>
-                      <a:endParaRPr lang="en-IN" dirty="0"/>
-                    </a:p>
-                  </a:txBody>
-                  <a:tcPr/>
-                </a:tc>
-                <a:tc>
-                  <a:txBody>
-                    <a:bodyPr/>
-                    <a:lstStyle/>
-                    <a:p>
-                      <a:r>
-                        <a:rPr lang="en-US" dirty="0" smtClean="0"/>
-                        <a:t>9</a:t>
-                      </a:r>
-                      <a:endParaRPr lang="en-IN" dirty="0"/>
-                    </a:p>
-                  </a:txBody>
-                  <a:tcPr/>
-                </a:tc>
-                <a:tc>
-                  <a:txBody>
-                    <a:bodyPr/>
-                    <a:lstStyle/>
-                    <a:p>
-                      <a:r>
-                        <a:rPr lang="en-US" dirty="0" smtClean="0"/>
-                        <a:t>10</a:t>
-                      </a:r>
-                      <a:endParaRPr lang="en-IN" dirty="0"/>
-                    </a:p>
-                  </a:txBody>
-                  <a:tcPr/>
-                </a:tc>
-                <a:tc>
-                  <a:txBody>
-                    <a:bodyPr/>
-                    <a:lstStyle/>
-                    <a:p>
-                      <a:r>
-                        <a:rPr lang="en-US" dirty="0" smtClean="0"/>
-                        <a:t>11</a:t>
-                      </a:r>
-                      <a:endParaRPr lang="en-IN" dirty="0"/>
-                    </a:p>
-                  </a:txBody>
-                  <a:tcPr/>
-                </a:tc>
-              </a:tr>
-              <a:tr h="370840">
-                <a:tc>
-                  <a:txBody>
-                    <a:bodyPr/>
-                    <a:lstStyle/>
-                    <a:p>
-                      <a:r>
-                        <a:rPr lang="en-US" dirty="0" smtClean="0"/>
-                        <a:t>-Index</a:t>
-                      </a:r>
-                      <a:endParaRPr lang="en-IN" dirty="0"/>
-                    </a:p>
-                  </a:txBody>
-                  <a:tcPr/>
-                </a:tc>
-                <a:tc>
-                  <a:txBody>
-                    <a:bodyPr/>
-                    <a:lstStyle/>
-                    <a:p>
-                      <a:r>
-                        <a:rPr lang="en-US" dirty="0" smtClean="0"/>
-                        <a:t>-12</a:t>
-                      </a:r>
-                      <a:endParaRPr lang="en-IN" dirty="0"/>
-                    </a:p>
-                  </a:txBody>
-                  <a:tcPr/>
-                </a:tc>
-                <a:tc>
-                  <a:txBody>
-                    <a:bodyPr/>
-                    <a:lstStyle/>
-                    <a:p>
-                      <a:r>
-                        <a:rPr lang="en-US" dirty="0" smtClean="0"/>
-                        <a:t>-11</a:t>
-                      </a:r>
-                      <a:endParaRPr lang="en-IN" dirty="0"/>
-                    </a:p>
-                  </a:txBody>
-                  <a:tcPr/>
-                </a:tc>
-                <a:tc>
-                  <a:txBody>
-                    <a:bodyPr/>
-                    <a:lstStyle/>
-                    <a:p>
-                      <a:r>
-                        <a:rPr lang="en-US" dirty="0" smtClean="0"/>
-                        <a:t>-10</a:t>
-                      </a:r>
-                      <a:endParaRPr lang="en-IN" dirty="0"/>
-                    </a:p>
-                  </a:txBody>
-                  <a:tcPr/>
-                </a:tc>
-                <a:tc>
-                  <a:txBody>
-                    <a:bodyPr/>
-                    <a:lstStyle/>
-                    <a:p>
-                      <a:r>
-                        <a:rPr lang="en-US" dirty="0" smtClean="0"/>
-                        <a:t>-9</a:t>
-                      </a:r>
-                      <a:endParaRPr lang="en-IN" dirty="0"/>
-                    </a:p>
-                  </a:txBody>
-                  <a:tcPr/>
-                </a:tc>
-                <a:tc>
-                  <a:txBody>
-                    <a:bodyPr/>
-                    <a:lstStyle/>
-                    <a:p>
-                      <a:r>
-                        <a:rPr lang="en-US" dirty="0" smtClean="0"/>
-                        <a:t>-8</a:t>
-                      </a:r>
-                      <a:endParaRPr lang="en-IN" dirty="0"/>
-                    </a:p>
-                  </a:txBody>
-                  <a:tcPr/>
-                </a:tc>
-                <a:tc>
-                  <a:txBody>
-                    <a:bodyPr/>
-                    <a:lstStyle/>
-                    <a:p>
-                      <a:r>
-                        <a:rPr lang="en-US" dirty="0" smtClean="0"/>
-                        <a:t>-7</a:t>
-                      </a:r>
-                      <a:endParaRPr lang="en-IN" dirty="0"/>
-                    </a:p>
-                  </a:txBody>
-                  <a:tcPr/>
-                </a:tc>
-                <a:tc>
-                  <a:txBody>
-                    <a:bodyPr/>
-                    <a:lstStyle/>
-                    <a:p>
-                      <a:r>
-                        <a:rPr lang="en-US" dirty="0" smtClean="0"/>
-                        <a:t>-6</a:t>
-                      </a:r>
-                      <a:endParaRPr lang="en-IN" dirty="0"/>
-                    </a:p>
-                  </a:txBody>
-                  <a:tcPr/>
-                </a:tc>
-                <a:tc>
-                  <a:txBody>
-                    <a:bodyPr/>
-                    <a:lstStyle/>
-                    <a:p>
-                      <a:r>
-                        <a:rPr lang="en-US" dirty="0" smtClean="0"/>
-                        <a:t>-5</a:t>
-                      </a:r>
-                      <a:endParaRPr lang="en-IN" dirty="0"/>
-                    </a:p>
-                  </a:txBody>
-                  <a:tcPr/>
-                </a:tc>
-                <a:tc>
-                  <a:txBody>
-                    <a:bodyPr/>
-                    <a:lstStyle/>
-                    <a:p>
-                      <a:r>
-                        <a:rPr lang="en-US" dirty="0" smtClean="0"/>
-                        <a:t>-4</a:t>
-                      </a:r>
-                      <a:endParaRPr lang="en-IN" dirty="0"/>
-                    </a:p>
-                  </a:txBody>
-                  <a:tcPr/>
-                </a:tc>
-                <a:tc>
-                  <a:txBody>
-                    <a:bodyPr/>
-                    <a:lstStyle/>
-                    <a:p>
-                      <a:r>
-                        <a:rPr lang="en-US" dirty="0" smtClean="0"/>
-                        <a:t>-3</a:t>
-                      </a:r>
-                      <a:endParaRPr lang="en-IN" dirty="0"/>
-                    </a:p>
-                  </a:txBody>
-                  <a:tcPr/>
-                </a:tc>
-                <a:tc>
-                  <a:txBody>
-                    <a:bodyPr/>
-                    <a:lstStyle/>
-                    <a:p>
-                      <a:r>
-                        <a:rPr lang="en-US" dirty="0" smtClean="0"/>
-                        <a:t>-2</a:t>
-                      </a:r>
-                      <a:endParaRPr lang="en-IN" dirty="0"/>
-                    </a:p>
-                  </a:txBody>
-                  <a:tcPr/>
-                </a:tc>
-                <a:tc>
-                  <a:txBody>
-                    <a:bodyPr/>
-                    <a:lstStyle/>
-                    <a:p>
-                      <a:r>
-                        <a:rPr lang="en-US" dirty="0" smtClean="0"/>
-                        <a:t>-1</a:t>
-                      </a:r>
-                      <a:endParaRPr lang="en-IN" dirty="0"/>
-                    </a:p>
-                  </a:txBody>
-                  <a:tcPr/>
-                </a:tc>
-              </a:tr>
-            </a:tbl>
-          </a:graphicData>
-        </a:graphic>
-      </p:graphicFrame>
-    </p:spTree>
-    <p:extLst>
-      <p:ext uri="{BB962C8B-B14F-4D97-AF65-F5344CB8AC3E}">
-        <p14:creationId xmlns:p14="http://schemas.microsoft.com/office/powerpoint/2010/main" val="3378197744"/>
-      </p:ext>
-    </p:extLst>
-  </p:cSld>
-  <p:clrMapOvr>
-    <a:masterClrMapping/>
-  </p:clrMapOvr>
-  <mc:AlternateContent xmlns:mc="http://schemas.openxmlformats.org/markup-compatibility/2006" xmlns:p14="http://schemas.microsoft.com/office/powerpoint/2010/main">
-    <mc:Choice Requires="p14">
-      <p:transition spd="slow" p14:dur="1600">
-        <p:blinds dir="vert"/>
-      </p:transition>
-    </mc:Choice>
-    <mc:Fallback xmlns="">
-      <p:transition spd="slow">
-        <p:blinds dir="vert"/>
-      </p:transition>
-    </mc:Fallback>
-  </mc:AlternateContent>
-  <p:timing>
-    <p:tnLst>
-      <p:par>
-        <p:cTn id="1" dur="indefinite" restart="never" nodeType="tmRoot">
-          <p:childTnLst>
-            <p:seq concurrent="1" nextAc="seek">
-              <p:cTn id="2" dur="indefinite" nodeType="mainSeq">
-                <p:childTnLst>
-                  <p:par>
-                    <p:cTn id="3" fill="hold">
-                      <p:stCondLst>
-                        <p:cond delay="indefinite"/>
-                      </p:stCondLst>
-                      <p:childTnLst>
-                        <p:par>
-                          <p:cTn id="4" fill="hold">
-                            <p:stCondLst>
-                              <p:cond delay="0"/>
-                            </p:stCondLst>
-                            <p:childTnLst>
-                              <p:par>
-                                <p:cTn id="5" presetID="55" presetClass="entr" presetSubtype="0" fill="hold" grpId="0" nodeType="clickEffect">
-                                  <p:stCondLst>
-                                    <p:cond delay="0"/>
-                                  </p:stCondLst>
-                                  <p:childTnLst>
-                                    <p:set>
-                                      <p:cBhvr>
-                                        <p:cTn id="6" dur="1" fill="hold">
-                                          <p:stCondLst>
-                                            <p:cond delay="0"/>
-                                          </p:stCondLst>
-                                        </p:cTn>
-                                        <p:tgtEl>
-                                          <p:spTgt spid="2"/>
-                                        </p:tgtEl>
-                                        <p:attrNameLst>
-                                          <p:attrName>style.visibility</p:attrName>
-                                        </p:attrNameLst>
-                                      </p:cBhvr>
-                                      <p:to>
-                                        <p:strVal val="visible"/>
-                                      </p:to>
-                                    </p:set>
-                                    <p:anim calcmode="lin" valueType="num">
-                                      <p:cBhvr>
-                                        <p:cTn id="7" dur="1000" fill="hold"/>
-                                        <p:tgtEl>
-                                          <p:spTgt spid="2"/>
-                                        </p:tgtEl>
-                                        <p:attrNameLst>
-                                          <p:attrName>ppt_w</p:attrName>
-                                        </p:attrNameLst>
-                                      </p:cBhvr>
-                                      <p:tavLst>
-                                        <p:tav tm="0">
-                                          <p:val>
-                                            <p:strVal val="#ppt_w*0.70"/>
-                                          </p:val>
-                                        </p:tav>
-                                        <p:tav tm="100000">
-                                          <p:val>
-                                            <p:strVal val="#ppt_w"/>
-                                          </p:val>
-                                        </p:tav>
-                                      </p:tavLst>
-                                    </p:anim>
-                                    <p:anim calcmode="lin" valueType="num">
-                                      <p:cBhvr>
-                                        <p:cTn id="8" dur="1000" fill="hold"/>
-                                        <p:tgtEl>
-                                          <p:spTgt spid="2"/>
-                                        </p:tgtEl>
-                                        <p:attrNameLst>
-                                          <p:attrName>ppt_h</p:attrName>
-                                        </p:attrNameLst>
-                                      </p:cBhvr>
-                                      <p:tavLst>
-                                        <p:tav tm="0">
-                                          <p:val>
-                                            <p:strVal val="#ppt_h"/>
-                                          </p:val>
-                                        </p:tav>
-                                        <p:tav tm="100000">
-                                          <p:val>
-                                            <p:strVal val="#ppt_h"/>
-                                          </p:val>
-                                        </p:tav>
-                                      </p:tavLst>
-                                    </p:anim>
-                                    <p:animEffect transition="in" filter="fade">
-                                      <p:cBhvr>
-                                        <p:cTn id="9" dur="1000"/>
-                                        <p:tgtEl>
-                                          <p:spTgt spid="2"/>
-                                        </p:tgtEl>
-                                      </p:cBhvr>
-                                    </p:animEffect>
-                                  </p:childTnLst>
-                                </p:cTn>
-                              </p:par>
-                            </p:childTnLst>
-                          </p:cTn>
-                        </p:par>
-                      </p:childTnLst>
-                    </p:cTn>
-                  </p:par>
-                  <p:par>
-                    <p:cTn id="10" fill="hold">
-                      <p:stCondLst>
-                        <p:cond delay="indefinite"/>
-                      </p:stCondLst>
-                      <p:childTnLst>
-                        <p:par>
-                          <p:cTn id="11" fill="hold">
-                            <p:stCondLst>
-                              <p:cond delay="0"/>
-                            </p:stCondLst>
-                            <p:childTnLst>
-                              <p:par>
-                                <p:cTn id="12" presetID="14" presetClass="entr" presetSubtype="10" fill="hold" grpId="0" nodeType="clickEffect">
-                                  <p:stCondLst>
-                                    <p:cond delay="0"/>
-                                  </p:stCondLst>
-                                  <p:childTnLst>
-                                    <p:set>
-                                      <p:cBhvr>
-                                        <p:cTn id="13" dur="1" fill="hold">
-                                          <p:stCondLst>
-                                            <p:cond delay="0"/>
-                                          </p:stCondLst>
-                                        </p:cTn>
-                                        <p:tgtEl>
-                                          <p:spTgt spid="3">
-                                            <p:txEl>
-                                              <p:pRg st="0" end="0"/>
-                                            </p:txEl>
-                                          </p:spTgt>
-                                        </p:tgtEl>
-                                        <p:attrNameLst>
-                                          <p:attrName>style.visibility</p:attrName>
-                                        </p:attrNameLst>
-                                      </p:cBhvr>
-                                      <p:to>
-                                        <p:strVal val="visible"/>
-                                      </p:to>
-                                    </p:set>
-                                    <p:animEffect transition="in" filter="randombar(horizontal)">
-                                      <p:cBhvr>
-                                        <p:cTn id="14" dur="500"/>
-                                        <p:tgtEl>
-                                          <p:spTgt spid="3">
-                                            <p:txEl>
-                                              <p:pRg st="0" end="0"/>
-                                            </p:txEl>
-                                          </p:spTgt>
-                                        </p:tgtEl>
-                                      </p:cBhvr>
-                                    </p:animEffect>
-                                  </p:childTnLst>
-                                </p:cTn>
-                              </p:par>
-                            </p:childTnLst>
-                          </p:cTn>
-                        </p:par>
-                      </p:childTnLst>
-                    </p:cTn>
-                  </p:par>
-                  <p:par>
-                    <p:cTn id="15" fill="hold">
-                      <p:stCondLst>
-                        <p:cond delay="indefinite"/>
-                      </p:stCondLst>
-                      <p:childTnLst>
-                        <p:par>
-                          <p:cTn id="16" fill="hold">
-                            <p:stCondLst>
-                              <p:cond delay="0"/>
-                            </p:stCondLst>
-                            <p:childTnLst>
-                              <p:par>
-                                <p:cTn id="17" presetID="14" presetClass="entr" presetSubtype="10" fill="hold" grpId="0" nodeType="clickEffect">
-                                  <p:stCondLst>
-                                    <p:cond delay="0"/>
-                                  </p:stCondLst>
-                                  <p:childTnLst>
-                                    <p:set>
-                                      <p:cBhvr>
-                                        <p:cTn id="18" dur="1" fill="hold">
-                                          <p:stCondLst>
-                                            <p:cond delay="0"/>
-                                          </p:stCondLst>
-                                        </p:cTn>
-                                        <p:tgtEl>
-                                          <p:spTgt spid="3">
-                                            <p:txEl>
-                                              <p:pRg st="1" end="1"/>
-                                            </p:txEl>
-                                          </p:spTgt>
-                                        </p:tgtEl>
-                                        <p:attrNameLst>
-                                          <p:attrName>style.visibility</p:attrName>
-                                        </p:attrNameLst>
-                                      </p:cBhvr>
-                                      <p:to>
-                                        <p:strVal val="visible"/>
-                                      </p:to>
-                                    </p:set>
-                                    <p:animEffect transition="in" filter="randombar(horizontal)">
-                                      <p:cBhvr>
-                                        <p:cTn id="19" dur="500"/>
-                                        <p:tgtEl>
-                                          <p:spTgt spid="3">
-                                            <p:txEl>
-                                              <p:pRg st="1" end="1"/>
-                                            </p:txEl>
-                                          </p:spTgt>
-                                        </p:tgtEl>
-                                      </p:cBhvr>
-                                    </p:animEffect>
-                                  </p:childTnLst>
-                                </p:cTn>
-                              </p:par>
-                            </p:childTnLst>
-                          </p:cTn>
-                        </p:par>
-                      </p:childTnLst>
-                    </p:cTn>
-                  </p:par>
-                  <p:par>
-                    <p:cTn id="20" fill="hold">
-                      <p:stCondLst>
-                        <p:cond delay="indefinite"/>
-                      </p:stCondLst>
-                      <p:childTnLst>
-                        <p:par>
-                          <p:cTn id="21" fill="hold">
-                            <p:stCondLst>
-                              <p:cond delay="0"/>
-                            </p:stCondLst>
-                            <p:childTnLst>
-                              <p:par>
-                                <p:cTn id="22" presetID="14" presetClass="entr" presetSubtype="10" fill="hold" grpId="0" nodeType="clickEffect">
-                                  <p:stCondLst>
-                                    <p:cond delay="0"/>
-                                  </p:stCondLst>
-                                  <p:childTnLst>
-                                    <p:set>
-                                      <p:cBhvr>
-                                        <p:cTn id="23" dur="1" fill="hold">
-                                          <p:stCondLst>
-                                            <p:cond delay="0"/>
-                                          </p:stCondLst>
-                                        </p:cTn>
-                                        <p:tgtEl>
-                                          <p:spTgt spid="3">
-                                            <p:txEl>
-                                              <p:pRg st="2" end="2"/>
-                                            </p:txEl>
-                                          </p:spTgt>
-                                        </p:tgtEl>
-                                        <p:attrNameLst>
-                                          <p:attrName>style.visibility</p:attrName>
-                                        </p:attrNameLst>
-                                      </p:cBhvr>
-                                      <p:to>
-                                        <p:strVal val="visible"/>
-                                      </p:to>
-                                    </p:set>
-                                    <p:animEffect transition="in" filter="randombar(horizontal)">
-                                      <p:cBhvr>
-                                        <p:cTn id="24" dur="500"/>
-                                        <p:tgtEl>
-                                          <p:spTgt spid="3">
-                                            <p:txEl>
-                                              <p:pRg st="2" end="2"/>
-                                            </p:txEl>
-                                          </p:spTgt>
-                                        </p:tgtEl>
-                                      </p:cBhvr>
-                                    </p:animEffect>
-                                  </p:childTnLst>
-                                </p:cTn>
-                              </p:par>
-                            </p:childTnLst>
-                          </p:cTn>
-                        </p:par>
-                      </p:childTnLst>
-                    </p:cTn>
-                  </p:par>
-                  <p:par>
-                    <p:cTn id="25" fill="hold">
-                      <p:stCondLst>
-                        <p:cond delay="indefinite"/>
-                      </p:stCondLst>
-                      <p:childTnLst>
-                        <p:par>
-                          <p:cTn id="26" fill="hold">
-                            <p:stCondLst>
-                              <p:cond delay="0"/>
-                            </p:stCondLst>
-                            <p:childTnLst>
-                              <p:par>
-                                <p:cTn id="27" presetID="14" presetClass="entr" presetSubtype="10" fill="hold" grpId="0" nodeType="clickEffect">
-                                  <p:stCondLst>
-                                    <p:cond delay="0"/>
-                                  </p:stCondLst>
-                                  <p:childTnLst>
-                                    <p:set>
-                                      <p:cBhvr>
-                                        <p:cTn id="28" dur="1" fill="hold">
-                                          <p:stCondLst>
-                                            <p:cond delay="0"/>
-                                          </p:stCondLst>
-                                        </p:cTn>
-                                        <p:tgtEl>
-                                          <p:spTgt spid="3">
-                                            <p:txEl>
-                                              <p:pRg st="3" end="3"/>
-                                            </p:txEl>
-                                          </p:spTgt>
-                                        </p:tgtEl>
-                                        <p:attrNameLst>
-                                          <p:attrName>style.visibility</p:attrName>
-                                        </p:attrNameLst>
-                                      </p:cBhvr>
-                                      <p:to>
-                                        <p:strVal val="visible"/>
-                                      </p:to>
-                                    </p:set>
-                                    <p:animEffect transition="in" filter="randombar(horizontal)">
-                                      <p:cBhvr>
-                                        <p:cTn id="29" dur="500"/>
-                                        <p:tgtEl>
-                                          <p:spTgt spid="3">
-                                            <p:txEl>
-                                              <p:pRg st="3" end="3"/>
-                                            </p:txEl>
-                                          </p:spTgt>
-                                        </p:tgtEl>
-                                      </p:cBhvr>
-                                    </p:animEffect>
-                                  </p:childTnLst>
-                                </p:cTn>
-                              </p:par>
-                            </p:childTnLst>
-                          </p:cTn>
-                        </p:par>
-                      </p:childTnLst>
-                    </p:cTn>
-                  </p:par>
-                  <p:par>
-                    <p:cTn id="30" fill="hold">
-                      <p:stCondLst>
-                        <p:cond delay="indefinite"/>
-                      </p:stCondLst>
-                      <p:childTnLst>
-                        <p:par>
-                          <p:cTn id="31" fill="hold">
-                            <p:stCondLst>
-                              <p:cond delay="0"/>
-                            </p:stCondLst>
-                            <p:childTnLst>
-                              <p:par>
-                                <p:cTn id="32" presetID="14" presetClass="entr" presetSubtype="10" fill="hold" grpId="0" nodeType="clickEffect">
-                                  <p:stCondLst>
-                                    <p:cond delay="0"/>
-                                  </p:stCondLst>
-                                  <p:childTnLst>
-                                    <p:set>
-                                      <p:cBhvr>
-                                        <p:cTn id="33" dur="1" fill="hold">
-                                          <p:stCondLst>
-                                            <p:cond delay="0"/>
-                                          </p:stCondLst>
-                                        </p:cTn>
-                                        <p:tgtEl>
-                                          <p:spTgt spid="3">
-                                            <p:txEl>
-                                              <p:pRg st="4" end="4"/>
-                                            </p:txEl>
-                                          </p:spTgt>
-                                        </p:tgtEl>
-                                        <p:attrNameLst>
-                                          <p:attrName>style.visibility</p:attrName>
-                                        </p:attrNameLst>
-                                      </p:cBhvr>
-                                      <p:to>
-                                        <p:strVal val="visible"/>
-                                      </p:to>
-                                    </p:set>
-                                    <p:animEffect transition="in" filter="randombar(horizontal)">
-                                      <p:cBhvr>
-                                        <p:cTn id="34" dur="500"/>
-                                        <p:tgtEl>
-                                          <p:spTgt spid="3">
-                                            <p:txEl>
-                                              <p:pRg st="4" end="4"/>
-                                            </p:txEl>
-                                          </p:spTgt>
-                                        </p:tgtEl>
-                                      </p:cBhvr>
-                                    </p:animEffect>
-                                  </p:childTnLst>
-                                </p:cTn>
-                              </p:par>
-                            </p:childTnLst>
-                          </p:cTn>
-                        </p:par>
-                      </p:childTnLst>
-                    </p:cTn>
-                  </p:par>
-                  <p:par>
-                    <p:cTn id="35" fill="hold">
-                      <p:stCondLst>
-                        <p:cond delay="indefinite"/>
-                      </p:stCondLst>
-                      <p:childTnLst>
-                        <p:par>
-                          <p:cTn id="36" fill="hold">
-                            <p:stCondLst>
-                              <p:cond delay="0"/>
-                            </p:stCondLst>
-                            <p:childTnLst>
-                              <p:par>
-                                <p:cTn id="37" presetID="14" presetClass="entr" presetSubtype="10" fill="hold" grpId="0" nodeType="clickEffect">
-                                  <p:stCondLst>
-                                    <p:cond delay="0"/>
-                                  </p:stCondLst>
-                                  <p:childTnLst>
-                                    <p:set>
-                                      <p:cBhvr>
-                                        <p:cTn id="38" dur="1" fill="hold">
-                                          <p:stCondLst>
-                                            <p:cond delay="0"/>
-                                          </p:stCondLst>
-                                        </p:cTn>
-                                        <p:tgtEl>
-                                          <p:spTgt spid="3">
-                                            <p:txEl>
-                                              <p:pRg st="9" end="9"/>
-                                            </p:txEl>
-                                          </p:spTgt>
-                                        </p:tgtEl>
-                                        <p:attrNameLst>
-                                          <p:attrName>style.visibility</p:attrName>
-                                        </p:attrNameLst>
-                                      </p:cBhvr>
-                                      <p:to>
-                                        <p:strVal val="visible"/>
-                                      </p:to>
-                                    </p:set>
-                                    <p:animEffect transition="in" filter="randombar(horizontal)">
-                                      <p:cBhvr>
-                                        <p:cTn id="39" dur="500"/>
-                                        <p:tgtEl>
-                                          <p:spTgt spid="3">
-                                            <p:txEl>
-                                              <p:pRg st="9" end="9"/>
-                                            </p:txEl>
-                                          </p:spTgt>
-                                        </p:tgtEl>
-                                      </p:cBhvr>
-                                    </p:animEffect>
-                                  </p:childTnLst>
-                                </p:cTn>
-                              </p:par>
-                            </p:childTnLst>
-                          </p:cTn>
-                        </p:par>
-                      </p:childTnLst>
-                    </p:cTn>
-                  </p:par>
-                  <p:par>
-                    <p:cTn id="40" fill="hold">
-                      <p:stCondLst>
-                        <p:cond delay="indefinite"/>
-                      </p:stCondLst>
-                      <p:childTnLst>
-                        <p:par>
-                          <p:cTn id="41" fill="hold">
-                            <p:stCondLst>
-                              <p:cond delay="0"/>
-                            </p:stCondLst>
-                            <p:childTnLst>
-                              <p:par>
-                                <p:cTn id="42" presetID="14" presetClass="entr" presetSubtype="10" fill="hold" grpId="0" nodeType="clickEffect">
-                                  <p:stCondLst>
-                                    <p:cond delay="0"/>
-                                  </p:stCondLst>
-                                  <p:childTnLst>
-                                    <p:set>
-                                      <p:cBhvr>
-                                        <p:cTn id="43" dur="1" fill="hold">
-                                          <p:stCondLst>
-                                            <p:cond delay="0"/>
-                                          </p:stCondLst>
-                                        </p:cTn>
-                                        <p:tgtEl>
-                                          <p:spTgt spid="3">
-                                            <p:txEl>
-                                              <p:pRg st="10" end="10"/>
-                                            </p:txEl>
-                                          </p:spTgt>
-                                        </p:tgtEl>
-                                        <p:attrNameLst>
-                                          <p:attrName>style.visibility</p:attrName>
-                                        </p:attrNameLst>
-                                      </p:cBhvr>
-                                      <p:to>
-                                        <p:strVal val="visible"/>
-                                      </p:to>
-                                    </p:set>
-                                    <p:animEffect transition="in" filter="randombar(horizontal)">
-                                      <p:cBhvr>
-                                        <p:cTn id="44" dur="500"/>
-                                        <p:tgtEl>
-                                          <p:spTgt spid="3">
-                                            <p:txEl>
-                                              <p:pRg st="10" end="10"/>
-                                            </p:txEl>
-                                          </p:spTgt>
-                                        </p:tgtEl>
-                                      </p:cBhvr>
-                                    </p:animEffect>
-                                  </p:childTnLst>
-                                </p:cTn>
-                              </p:par>
-                            </p:childTnLst>
-                          </p:cTn>
-                        </p:par>
-                      </p:childTnLst>
-                    </p:cTn>
-                  </p:par>
-                  <p:par>
-                    <p:cTn id="45" fill="hold">
-                      <p:stCondLst>
-                        <p:cond delay="indefinite"/>
-                      </p:stCondLst>
-                      <p:childTnLst>
-                        <p:par>
-                          <p:cTn id="46" fill="hold">
-                            <p:stCondLst>
-                              <p:cond delay="0"/>
-                            </p:stCondLst>
-                            <p:childTnLst>
-                              <p:par>
-                                <p:cTn id="47" presetID="14" presetClass="entr" presetSubtype="10" fill="hold" grpId="0" nodeType="clickEffect">
-                                  <p:stCondLst>
-                                    <p:cond delay="0"/>
-                                  </p:stCondLst>
-                                  <p:childTnLst>
-                                    <p:set>
-                                      <p:cBhvr>
-                                        <p:cTn id="48" dur="1" fill="hold">
-                                          <p:stCondLst>
-                                            <p:cond delay="0"/>
-                                          </p:stCondLst>
-                                        </p:cTn>
-                                        <p:tgtEl>
-                                          <p:spTgt spid="3">
-                                            <p:txEl>
-                                              <p:pRg st="11" end="11"/>
-                                            </p:txEl>
-                                          </p:spTgt>
-                                        </p:tgtEl>
-                                        <p:attrNameLst>
-                                          <p:attrName>style.visibility</p:attrName>
-                                        </p:attrNameLst>
-                                      </p:cBhvr>
-                                      <p:to>
-                                        <p:strVal val="visible"/>
-                                      </p:to>
-                                    </p:set>
-                                    <p:animEffect transition="in" filter="randombar(horizontal)">
-                                      <p:cBhvr>
-                                        <p:cTn id="49" dur="500"/>
-                                        <p:tgtEl>
-                                          <p:spTgt spid="3">
-                                            <p:txEl>
-                                              <p:pRg st="11" end="11"/>
-                                            </p:txEl>
-                                          </p:spTgt>
-                                        </p:tgtEl>
-                                      </p:cBhvr>
-                                    </p:animEffect>
-                                  </p:childTnLst>
-                                </p:cTn>
-                              </p:par>
-                            </p:childTnLst>
-                          </p:cTn>
-                        </p:par>
-                      </p:childTnLst>
-                    </p:cTn>
-                  </p:par>
-                  <p:par>
-                    <p:cTn id="50" fill="hold">
-                      <p:stCondLst>
-                        <p:cond delay="indefinite"/>
-                      </p:stCondLst>
-                      <p:childTnLst>
-                        <p:par>
-                          <p:cTn id="51" fill="hold">
-                            <p:stCondLst>
-                              <p:cond delay="0"/>
-                            </p:stCondLst>
-                            <p:childTnLst>
-                              <p:par>
-                                <p:cTn id="52" presetID="14" presetClass="entr" presetSubtype="10" fill="hold" grpId="0" nodeType="clickEffect">
-                                  <p:stCondLst>
-                                    <p:cond delay="0"/>
-                                  </p:stCondLst>
-                                  <p:childTnLst>
-                                    <p:set>
-                                      <p:cBhvr>
-                                        <p:cTn id="53" dur="1" fill="hold">
-                                          <p:stCondLst>
-                                            <p:cond delay="0"/>
-                                          </p:stCondLst>
-                                        </p:cTn>
-                                        <p:tgtEl>
-                                          <p:spTgt spid="3">
-                                            <p:txEl>
-                                              <p:pRg st="12" end="12"/>
-                                            </p:txEl>
-                                          </p:spTgt>
-                                        </p:tgtEl>
-                                        <p:attrNameLst>
-                                          <p:attrName>style.visibility</p:attrName>
-                                        </p:attrNameLst>
-                                      </p:cBhvr>
-                                      <p:to>
-                                        <p:strVal val="visible"/>
-                                      </p:to>
-                                    </p:set>
-                                    <p:animEffect transition="in" filter="randombar(horizontal)">
-                                      <p:cBhvr>
-                                        <p:cTn id="54" dur="500"/>
-                                        <p:tgtEl>
-                                          <p:spTgt spid="3">
-                                            <p:txEl>
-                                              <p:pRg st="12" end="12"/>
-                                            </p:txEl>
-                                          </p:spTgt>
-                                        </p:tgtEl>
-                                      </p:cBhvr>
-                                    </p:animEffect>
-                                  </p:childTnLst>
-                                </p:cTn>
-                              </p:par>
-                            </p:childTnLst>
-                          </p:cTn>
-                        </p:par>
-                      </p:childTnLst>
-                    </p:cTn>
-                  </p:par>
-                  <p:par>
-                    <p:cTn id="55" fill="hold">
-                      <p:stCondLst>
-                        <p:cond delay="indefinite"/>
-                      </p:stCondLst>
-                      <p:childTnLst>
-                        <p:par>
-                          <p:cTn id="56" fill="hold">
-                            <p:stCondLst>
-                              <p:cond delay="0"/>
-                            </p:stCondLst>
-                            <p:childTnLst>
-                              <p:par>
-                                <p:cTn id="57" presetID="14" presetClass="entr" presetSubtype="10" fill="hold" grpId="0" nodeType="clickEffect">
-                                  <p:stCondLst>
-                                    <p:cond delay="0"/>
-                                  </p:stCondLst>
-                                  <p:childTnLst>
-                                    <p:set>
-                                      <p:cBhvr>
-                                        <p:cTn id="58" dur="1" fill="hold">
-                                          <p:stCondLst>
-                                            <p:cond delay="0"/>
-                                          </p:stCondLst>
-                                        </p:cTn>
-                                        <p:tgtEl>
-                                          <p:spTgt spid="3">
-                                            <p:txEl>
-                                              <p:pRg st="13" end="13"/>
-                                            </p:txEl>
-                                          </p:spTgt>
-                                        </p:tgtEl>
-                                        <p:attrNameLst>
-                                          <p:attrName>style.visibility</p:attrName>
-                                        </p:attrNameLst>
-                                      </p:cBhvr>
-                                      <p:to>
-                                        <p:strVal val="visible"/>
-                                      </p:to>
-                                    </p:set>
-                                    <p:animEffect transition="in" filter="randombar(horizontal)">
-                                      <p:cBhvr>
-                                        <p:cTn id="59" dur="500"/>
-                                        <p:tgtEl>
-                                          <p:spTgt spid="3">
-                                            <p:txEl>
-                                              <p:pRg st="13" end="13"/>
-                                            </p:txEl>
-                                          </p:spTgt>
-                                        </p:tgtEl>
-                                      </p:cBhvr>
-                                    </p:animEffect>
-                                  </p:childTnLst>
-                                </p:cTn>
-                              </p:par>
-                            </p:childTnLst>
-                          </p:cTn>
-                        </p:par>
-                      </p:childTnLst>
-                    </p:cTn>
-                  </p:par>
-                  <p:par>
-                    <p:cTn id="60" fill="hold">
-                      <p:stCondLst>
-                        <p:cond delay="indefinite"/>
-                      </p:stCondLst>
-                      <p:childTnLst>
-                        <p:par>
-                          <p:cTn id="61" fill="hold">
-                            <p:stCondLst>
-                              <p:cond delay="0"/>
-                            </p:stCondLst>
-                            <p:childTnLst>
-                              <p:par>
-                                <p:cTn id="62" presetID="10" presetClass="entr" presetSubtype="0" fill="hold" nodeType="clickEffect">
-                                  <p:stCondLst>
-                                    <p:cond delay="0"/>
-                                  </p:stCondLst>
-                                  <p:childTnLst>
-                                    <p:set>
-                                      <p:cBhvr>
-                                        <p:cTn id="63" dur="1" fill="hold">
-                                          <p:stCondLst>
-                                            <p:cond delay="0"/>
-                                          </p:stCondLst>
-                                        </p:cTn>
-                                        <p:tgtEl>
-                                          <p:spTgt spid="4"/>
-                                        </p:tgtEl>
-                                        <p:attrNameLst>
-                                          <p:attrName>style.visibility</p:attrName>
-                                        </p:attrNameLst>
-                                      </p:cBhvr>
-                                      <p:to>
-                                        <p:strVal val="visible"/>
-                                      </p:to>
-                                    </p:set>
-                                    <p:animEffect transition="in" filter="fade">
-                                      <p:cBhvr>
-                                        <p:cTn id="64" dur="500"/>
-                                        <p:tgtEl>
-                                          <p:spTgt spid="4"/>
-                                        </p:tgtEl>
-                                      </p:cBhvr>
-                                    </p:animEffect>
-                                  </p:childTnLst>
-                                </p:cTn>
-                              </p:par>
-                            </p:childTnLst>
-                          </p:cTn>
-                        </p:par>
-                      </p:childTnLst>
-                    </p:cTn>
-                  </p:par>
-                </p:childTnLst>
-              </p:cTn>
-              <p:prevCondLst>
-                <p:cond evt="onPrev" delay="0">
-                  <p:tgtEl>
-                    <p:sldTgt/>
-                  </p:tgtEl>
-                </p:cond>
-              </p:prevCondLst>
-              <p:nextCondLst>
-                <p:cond evt="onNext" delay="0">
-                  <p:tgtEl>
-                    <p:sldTgt/>
-                  </p:tgtEl>
-                </p:cond>
-              </p:nextCondLst>
-            </p:seq>
-          </p:childTnLst>
-        </p:cTn>
-      </p:par>
-    </p:tnLst>
-    <p:bldLst>
-      <p:bldP spid="2" grpId="0"/>
-      <p:bldP spid="3" grpId="0" build="p"/>
-    </p:bldLst>
-  </p:timing>
-</p:sld>
-</file>
-
-<file path=ppt/slides/slide2.xml><?xml version="1.0" encoding="utf-8"?>
-<p:sld xmlns:a="http://schemas.openxmlformats.org/drawingml/2006/main" xmlns:r="http://schemas.openxmlformats.org/officeDocument/2006/relationships" xmlns:p="http://schemas.openxmlformats.org/presentationml/2006/main">
-  <p:cSld>
-    <p:spTree>
-      <p:nvGrpSpPr>
-        <p:cNvPr id="1" name=""/>
-        <p:cNvGrpSpPr/>
-        <p:nvPr/>
-      </p:nvGrpSpPr>
-      <p:grpSpPr>
-        <a:xfrm>
-          <a:off x="0" y="0"/>
-          <a:ext cx="0" cy="0"/>
-          <a:chOff x="0" y="0"/>
-          <a:chExt cx="0" cy="0"/>
-        </a:xfrm>
-      </p:grpSpPr>
-      <p:sp>
-        <p:nvSpPr>
-          <p:cNvPr id="2" name="Title 1"/>
-          <p:cNvSpPr>
-            <a:spLocks noGrp="1"/>
-          </p:cNvSpPr>
-          <p:nvPr>
-            <p:ph type="ctrTitle" idx="4294967295"/>
-          </p:nvPr>
-        </p:nvSpPr>
-        <p:spPr>
-          <a:xfrm>
-            <a:off x="2879932" y="225558"/>
-            <a:ext cx="4495087" cy="749300"/>
-          </a:xfrm>
-        </p:spPr>
-        <p:txBody>
-          <a:bodyPr>
-            <a:normAutofit/>
-          </a:bodyPr>
-          <a:lstStyle/>
-          <a:p>
-            <a:r>
               <a:rPr lang="en-US" u="sng" dirty="0" smtClean="0">
                 <a:latin typeface="Algerian" panose="04020705040A02060702" pitchFamily="82" charset="0"/>
               </a:rPr>
-              <a:t>Dictionary</a:t>
+              <a:t>Lists</a:t>
             </a:r>
             <a:endParaRPr lang="en-IN" u="sng" dirty="0">
               <a:latin typeface="Algerian" panose="04020705040A02060702" pitchFamily="82" charset="0"/>
@@ -5533,7 +3863,7 @@
         </p:spPr>
         <p:txBody>
           <a:bodyPr>
-            <a:normAutofit/>
+            <a:normAutofit lnSpcReduction="10000"/>
           </a:bodyPr>
           <a:lstStyle/>
           <a:p>
@@ -5589,8 +3919,27 @@
             </a:pPr>
             <a:r>
               <a:rPr lang="en-US" sz="2000" dirty="0" smtClean="0"/>
-              <a:t>Lists are mutable, value in the list can be change.</a:t>
-            </a:r>
+              <a:t>Lists are mutable, value in the list can be change</a:t>
+            </a:r>
+            <a:r>
+              <a:rPr lang="en-US" sz="2000" dirty="0" smtClean="0"/>
+              <a:t>.</a:t>
+            </a:r>
+          </a:p>
+          <a:p>
+            <a:pPr>
+              <a:buFont typeface="Wingdings" panose="05000000000000000000" pitchFamily="2" charset="2"/>
+              <a:buChar char="q"/>
+            </a:pPr>
+            <a:r>
+              <a:rPr lang="en-US" dirty="0"/>
+              <a:t>List elements can be accessed by </a:t>
+            </a:r>
+            <a:r>
+              <a:rPr lang="en-US" dirty="0" smtClean="0"/>
+              <a:t>index.</a:t>
+            </a:r>
+            <a:endParaRPr lang="en-US" sz="2000" dirty="0" smtClean="0"/>
           </a:p>
           <a:p>
             <a:pPr algn="l"/>
@@ -5637,20 +3986,20 @@
     </p:spTree>
     <p:extLst>
       <p:ext uri="{BB962C8B-B14F-4D97-AF65-F5344CB8AC3E}">
-        <p14:creationId xmlns:p14="http://schemas.microsoft.com/office/powerpoint/2010/main" val="3012338386"/>
+        <p14:creationId xmlns:p14="http://schemas.microsoft.com/office/powerpoint/2010/main" val="2634820818"/>
       </p:ext>
     </p:extLst>
   </p:cSld>
   <p:clrMapOvr>
     <a:masterClrMapping/>
   </p:clrMapOvr>
-  <mc:AlternateContent xmlns:mc="http://schemas.openxmlformats.org/markup-compatibility/2006" xmlns:p14="http://schemas.microsoft.com/office/powerpoint/2010/main">
-    <mc:Choice Requires="p14">
+  <mc:AlternateContent xmlns:mc="http://schemas.openxmlformats.org/markup-compatibility/2006">
+    <mc:Choice xmlns:p14="http://schemas.microsoft.com/office/powerpoint/2010/main" Requires="p14">
       <p:transition spd="slow" p14:dur="1600">
         <p:blinds dir="vert"/>
       </p:transition>
     </mc:Choice>
-    <mc:Fallback xmlns="">
+    <mc:Fallback>
       <p:transition spd="slow">
         <p:blinds dir="vert"/>
       </p:transition>
@@ -5936,7 +4285,7 @@
                                         <p:tgtEl>
                                           <p:spTgt spid="3">
                                             <p:txEl>
-                                              <p:pRg st="5" end="5"/>
+                                              <p:pRg st="4" end="4"/>
                                             </p:txEl>
                                           </p:spTgt>
                                         </p:tgtEl>
@@ -5954,7 +4303,7 @@
                                         <p:tgtEl>
                                           <p:spTgt spid="3">
                                             <p:txEl>
-                                              <p:pRg st="5" end="5"/>
+                                              <p:pRg st="4" end="4"/>
                                             </p:txEl>
                                           </p:spTgt>
                                         </p:tgtEl>
@@ -6152,6 +4501,67 @@
                       </p:childTnLst>
                     </p:cTn>
                   </p:par>
+                  <p:par>
+                    <p:cTn id="43" fill="hold">
+                      <p:stCondLst>
+                        <p:cond delay="indefinite"/>
+                      </p:stCondLst>
+                      <p:childTnLst>
+                        <p:par>
+                          <p:cTn id="44" fill="hold">
+                            <p:stCondLst>
+                              <p:cond delay="0"/>
+                            </p:stCondLst>
+                            <p:childTnLst>
+                              <p:par>
+                                <p:cTn id="45" presetID="14" presetClass="entr" presetSubtype="10" fill="hold" grpId="0" nodeType="clickEffect">
+                                  <p:stCondLst>
+                                    <p:cond delay="0"/>
+                                  </p:stCondLst>
+                                  <p:childTnLst>
+                                    <p:set>
+                                      <p:cBhvr>
+                                        <p:cTn id="46" dur="1" fill="hold">
+                                          <p:stCondLst>
+                                            <p:cond delay="0"/>
+                                          </p:stCondLst>
+                                        </p:cTn>
+                                        <p:tgtEl>
+                                          <p:spTgt spid="3">
+                                            <p:txEl>
+                                              <p:pRg st="9" end="9"/>
+                                            </p:txEl>
+                                          </p:spTgt>
+                                        </p:tgtEl>
+                                        <p:attrNameLst>
+                                          <p:attrName>style.visibility</p:attrName>
+                                        </p:attrNameLst>
+                                      </p:cBhvr>
+                                      <p:to>
+                                        <p:strVal val="visible"/>
+                                      </p:to>
+                                    </p:set>
+                                    <p:animEffect transition="in" filter="randombar(horizontal)">
+                                      <p:cBhvr>
+                                        <p:cTn id="47" dur="500"/>
+                                        <p:tgtEl>
+                                          <p:spTgt spid="3">
+                                            <p:txEl>
+                                              <p:pRg st="9" end="9"/>
+                                            </p:txEl>
+                                          </p:spTgt>
+                                        </p:tgtEl>
+                                      </p:cBhvr>
+                                    </p:animEffect>
+                                  </p:childTnLst>
+                                </p:cTn>
+                              </p:par>
+                            </p:childTnLst>
+                          </p:cTn>
+                        </p:par>
+                      </p:childTnLst>
+                    </p:cTn>
+                  </p:par>
                 </p:childTnLst>
               </p:cTn>
               <p:prevCondLst>
@@ -6180,7 +4590,7 @@
 </p:sld>
 </file>
 
-<file path=ppt/slides/slide3.xml><?xml version="1.0" encoding="utf-8"?>
+<file path=ppt/slides/slide2.xml><?xml version="1.0" encoding="utf-8"?>
 <p:sld xmlns:a="http://schemas.openxmlformats.org/drawingml/2006/main" xmlns:r="http://schemas.openxmlformats.org/officeDocument/2006/relationships" xmlns:p="http://schemas.openxmlformats.org/presentationml/2006/main">
   <p:cSld>
     <p:spTree>
@@ -6206,7 +4616,7 @@
           <p:nvPr>
             <p:extLst>
               <p:ext uri="{D42A27DB-BD31-4B8C-83A1-F6EECF244321}">
-                <p14:modId xmlns:p14="http://schemas.microsoft.com/office/powerpoint/2010/main" val="377789927"/>
+                <p14:modId xmlns:p14="http://schemas.microsoft.com/office/powerpoint/2010/main" val="2207160777"/>
               </p:ext>
             </p:extLst>
           </p:nvPr>
@@ -6396,14 +4806,14 @@
                     <a:lstStyle/>
                     <a:p>
                       <a:r>
-                        <a:rPr lang="en-IN" sz="1400" dirty="0" err="1" smtClean="0">
+                        <a:rPr lang="en-IN" sz="1400" smtClean="0">
                           <a:solidFill>
                             <a:schemeClr val="tx2">
                               <a:lumMod val="75000"/>
                             </a:schemeClr>
                           </a:solidFill>
                         </a:rPr>
-                        <a:t>ist</a:t>
+                        <a:t>list</a:t>
                       </a:r>
                       <a:r>
                         <a:rPr lang="en-IN" sz="1400" dirty="0" smtClean="0">
@@ -7355,16 +5765,6 @@
                     <a:bodyPr/>
                     <a:lstStyle/>
                     <a:p>
-                      <a:r>
-                        <a:rPr lang="en-IN" sz="1400" dirty="0" smtClean="0">
-                          <a:solidFill>
-                            <a:schemeClr val="tx2">
-                              <a:lumMod val="75000"/>
-                            </a:schemeClr>
-                          </a:solidFill>
-                        </a:rPr>
-                        <a:t>sum() </a:t>
-                      </a:r>
                       <a:endParaRPr lang="en-IN" sz="1400" dirty="0">
                         <a:solidFill>
                           <a:schemeClr val="tx2">
@@ -7396,16 +5796,6 @@
                     <a:bodyPr/>
                     <a:lstStyle/>
                     <a:p>
-                      <a:r>
-                        <a:rPr lang="en-US" sz="1400" dirty="0" smtClean="0">
-                          <a:solidFill>
-                            <a:schemeClr val="tx2">
-                              <a:lumMod val="75000"/>
-                            </a:schemeClr>
-                          </a:solidFill>
-                        </a:rPr>
-                        <a:t>Returns sum of the elements of the list</a:t>
-                      </a:r>
                       <a:endParaRPr lang="en-IN" sz="1400" dirty="0">
                         <a:solidFill>
                           <a:schemeClr val="tx2">
@@ -7440,20 +5830,20 @@
     </p:spTree>
     <p:extLst>
       <p:ext uri="{BB962C8B-B14F-4D97-AF65-F5344CB8AC3E}">
-        <p14:creationId xmlns:p14="http://schemas.microsoft.com/office/powerpoint/2010/main" val="696744671"/>
+        <p14:creationId xmlns:p14="http://schemas.microsoft.com/office/powerpoint/2010/main" val="2713820946"/>
       </p:ext>
     </p:extLst>
   </p:cSld>
   <p:clrMapOvr>
     <a:masterClrMapping/>
   </p:clrMapOvr>
-  <mc:AlternateContent xmlns:mc="http://schemas.openxmlformats.org/markup-compatibility/2006" xmlns:p14="http://schemas.microsoft.com/office/powerpoint/2010/main">
-    <mc:Choice Requires="p14">
+  <mc:AlternateContent xmlns:mc="http://schemas.openxmlformats.org/markup-compatibility/2006">
+    <mc:Choice xmlns:p14="http://schemas.microsoft.com/office/powerpoint/2010/main" Requires="p14">
       <p:transition spd="slow" p14:dur="1600">
         <p:blinds dir="vert"/>
       </p:transition>
     </mc:Choice>
-    <mc:Fallback xmlns="">
+    <mc:Fallback>
       <p:transition spd="slow">
         <p:blinds dir="vert"/>
       </p:transition>
@@ -7587,6 +5977,596 @@
         </p:cTn>
       </p:par>
     </p:tnLst>
+  </p:timing>
+</p:sld>
+</file>
+
+<file path=ppt/slides/slide3.xml><?xml version="1.0" encoding="utf-8"?>
+<p:sld xmlns:a="http://schemas.openxmlformats.org/drawingml/2006/main" xmlns:r="http://schemas.openxmlformats.org/officeDocument/2006/relationships" xmlns:p="http://schemas.openxmlformats.org/presentationml/2006/main">
+  <p:cSld>
+    <p:spTree>
+      <p:nvGrpSpPr>
+        <p:cNvPr id="1" name=""/>
+        <p:cNvGrpSpPr/>
+        <p:nvPr/>
+      </p:nvGrpSpPr>
+      <p:grpSpPr>
+        <a:xfrm>
+          <a:off x="0" y="0"/>
+          <a:ext cx="0" cy="0"/>
+          <a:chOff x="0" y="0"/>
+          <a:chExt cx="0" cy="0"/>
+        </a:xfrm>
+      </p:grpSpPr>
+      <p:sp>
+        <p:nvSpPr>
+          <p:cNvPr id="2" name="Title 1"/>
+          <p:cNvSpPr>
+            <a:spLocks noGrp="1"/>
+          </p:cNvSpPr>
+          <p:nvPr>
+            <p:ph type="ctrTitle" idx="4294967295"/>
+          </p:nvPr>
+        </p:nvSpPr>
+        <p:spPr>
+          <a:xfrm>
+            <a:off x="4631821" y="123009"/>
+            <a:ext cx="2871386" cy="749300"/>
+          </a:xfrm>
+        </p:spPr>
+        <p:txBody>
+          <a:bodyPr>
+            <a:normAutofit/>
+          </a:bodyPr>
+          <a:lstStyle/>
+          <a:p>
+            <a:r>
+              <a:rPr lang="en-US" b="1" u="sng" dirty="0">
+                <a:latin typeface="Algerian" panose="04020705040A02060702" pitchFamily="82" charset="0"/>
+              </a:rPr>
+              <a:t>Tuples</a:t>
+            </a:r>
+            <a:endParaRPr lang="en-IN" u="sng" dirty="0">
+              <a:latin typeface="Algerian" panose="04020705040A02060702" pitchFamily="82" charset="0"/>
+            </a:endParaRPr>
+          </a:p>
+        </p:txBody>
+      </p:sp>
+      <p:sp>
+        <p:nvSpPr>
+          <p:cNvPr id="3" name="Subtitle 2"/>
+          <p:cNvSpPr>
+            <a:spLocks noGrp="1"/>
+          </p:cNvSpPr>
+          <p:nvPr>
+            <p:ph type="subTitle" idx="4294967295"/>
+          </p:nvPr>
+        </p:nvSpPr>
+        <p:spPr>
+          <a:xfrm>
+            <a:off x="744449" y="1376200"/>
+            <a:ext cx="10971835" cy="4289425"/>
+          </a:xfrm>
+        </p:spPr>
+        <p:txBody>
+          <a:bodyPr>
+            <a:normAutofit/>
+          </a:bodyPr>
+          <a:lstStyle/>
+          <a:p>
+            <a:pPr>
+              <a:buFont typeface="Wingdings" panose="05000000000000000000" pitchFamily="2" charset="2"/>
+              <a:buChar char="q"/>
+            </a:pPr>
+            <a:r>
+              <a:rPr lang="en-US" dirty="0"/>
+              <a:t>Tuples are defined by enclosing the elements in parentheses (()) instead of square brackets ([]).</a:t>
+            </a:r>
+            <a:endParaRPr lang="en-US" sz="2000" dirty="0" smtClean="0"/>
+          </a:p>
+          <a:p>
+            <a:r>
+              <a:rPr lang="en-IN" dirty="0"/>
+              <a:t>Tuples are immutable.</a:t>
+            </a:r>
+          </a:p>
+          <a:p>
+            <a:pPr algn="l"/>
+            <a:endParaRPr lang="en-US" sz="2000" dirty="0" smtClean="0"/>
+          </a:p>
+          <a:p>
+            <a:pPr algn="l"/>
+            <a:r>
+              <a:rPr lang="en-US" sz="2400" b="1" u="sng" dirty="0" smtClean="0"/>
+              <a:t>Declaring tuple:</a:t>
+            </a:r>
+          </a:p>
+          <a:p>
+            <a:r>
+              <a:rPr lang="en-US" sz="2400" b="1" u="sng" dirty="0"/>
+              <a:t>t = ('foo', 'bar', '</a:t>
+            </a:r>
+            <a:r>
+              <a:rPr lang="en-US" sz="2400" b="1" u="sng" dirty="0" err="1"/>
+              <a:t>baz</a:t>
+            </a:r>
+            <a:r>
+              <a:rPr lang="en-US" sz="2400" b="1" u="sng" dirty="0"/>
+              <a:t>', '</a:t>
+            </a:r>
+            <a:r>
+              <a:rPr lang="en-US" sz="2400" b="1" u="sng" dirty="0" err="1"/>
+              <a:t>qux</a:t>
+            </a:r>
+            <a:r>
+              <a:rPr lang="en-US" sz="2400" b="1" u="sng" dirty="0"/>
+              <a:t>', '</a:t>
+            </a:r>
+            <a:r>
+              <a:rPr lang="en-US" sz="2400" b="1" u="sng" dirty="0" err="1"/>
+              <a:t>quux</a:t>
+            </a:r>
+            <a:r>
+              <a:rPr lang="en-US" sz="2400" b="1" u="sng" dirty="0"/>
+              <a:t>', '</a:t>
+            </a:r>
+            <a:r>
+              <a:rPr lang="en-US" sz="2400" b="1" u="sng" dirty="0" err="1"/>
+              <a:t>corge</a:t>
+            </a:r>
+            <a:r>
+              <a:rPr lang="en-US" sz="2400" b="1" u="sng" dirty="0" smtClean="0"/>
+              <a:t>')</a:t>
+            </a:r>
+          </a:p>
+          <a:p>
+            <a:r>
+              <a:rPr lang="en-US" sz="2400" b="1" u="sng" dirty="0"/>
+              <a:t>t1 = tuple</a:t>
+            </a:r>
+            <a:r>
+              <a:rPr lang="en-US" sz="2400" b="1" u="sng" dirty="0" smtClean="0"/>
+              <a:t>() # tuple</a:t>
+            </a:r>
+            <a:endParaRPr lang="en-IN" dirty="0" smtClean="0"/>
+          </a:p>
+          <a:p>
+            <a:r>
+              <a:rPr lang="en-IN" b="1" dirty="0"/>
+              <a:t>t = </a:t>
+            </a:r>
+            <a:r>
+              <a:rPr lang="en-IN" b="1" dirty="0" smtClean="0"/>
+              <a:t>() # empty tuple</a:t>
+            </a:r>
+            <a:r>
+              <a:rPr lang="en-IN" dirty="0" smtClean="0"/>
+              <a:t> </a:t>
+            </a:r>
+            <a:endParaRPr lang="en-IN" sz="2000" dirty="0"/>
+          </a:p>
+        </p:txBody>
+      </p:sp>
+    </p:spTree>
+    <p:extLst>
+      <p:ext uri="{BB962C8B-B14F-4D97-AF65-F5344CB8AC3E}">
+        <p14:creationId xmlns:p14="http://schemas.microsoft.com/office/powerpoint/2010/main" val="402107517"/>
+      </p:ext>
+    </p:extLst>
+  </p:cSld>
+  <p:clrMapOvr>
+    <a:masterClrMapping/>
+  </p:clrMapOvr>
+  <mc:AlternateContent xmlns:mc="http://schemas.openxmlformats.org/markup-compatibility/2006">
+    <mc:Choice xmlns:p14="http://schemas.microsoft.com/office/powerpoint/2010/main" Requires="p14">
+      <p:transition spd="slow" p14:dur="1600">
+        <p:blinds dir="vert"/>
+      </p:transition>
+    </mc:Choice>
+    <mc:Fallback>
+      <p:transition spd="slow">
+        <p:blinds dir="vert"/>
+      </p:transition>
+    </mc:Fallback>
+  </mc:AlternateContent>
+  <p:timing>
+    <p:tnLst>
+      <p:par>
+        <p:cTn id="1" dur="indefinite" restart="never" nodeType="tmRoot">
+          <p:childTnLst>
+            <p:seq concurrent="1" nextAc="seek">
+              <p:cTn id="2" dur="indefinite" nodeType="mainSeq">
+                <p:childTnLst>
+                  <p:par>
+                    <p:cTn id="3" fill="hold">
+                      <p:stCondLst>
+                        <p:cond delay="indefinite"/>
+                      </p:stCondLst>
+                      <p:childTnLst>
+                        <p:par>
+                          <p:cTn id="4" fill="hold">
+                            <p:stCondLst>
+                              <p:cond delay="0"/>
+                            </p:stCondLst>
+                            <p:childTnLst>
+                              <p:par>
+                                <p:cTn id="5" presetID="14" presetClass="entr" presetSubtype="10" fill="hold" grpId="0" nodeType="clickEffect">
+                                  <p:stCondLst>
+                                    <p:cond delay="0"/>
+                                  </p:stCondLst>
+                                  <p:childTnLst>
+                                    <p:set>
+                                      <p:cBhvr>
+                                        <p:cTn id="6" dur="1" fill="hold">
+                                          <p:stCondLst>
+                                            <p:cond delay="0"/>
+                                          </p:stCondLst>
+                                        </p:cTn>
+                                        <p:tgtEl>
+                                          <p:spTgt spid="3">
+                                            <p:txEl>
+                                              <p:pRg st="0" end="0"/>
+                                            </p:txEl>
+                                          </p:spTgt>
+                                        </p:tgtEl>
+                                        <p:attrNameLst>
+                                          <p:attrName>style.visibility</p:attrName>
+                                        </p:attrNameLst>
+                                      </p:cBhvr>
+                                      <p:to>
+                                        <p:strVal val="visible"/>
+                                      </p:to>
+                                    </p:set>
+                                    <p:animEffect transition="in" filter="randombar(horizontal)">
+                                      <p:cBhvr>
+                                        <p:cTn id="7" dur="500"/>
+                                        <p:tgtEl>
+                                          <p:spTgt spid="3">
+                                            <p:txEl>
+                                              <p:pRg st="0" end="0"/>
+                                            </p:txEl>
+                                          </p:spTgt>
+                                        </p:tgtEl>
+                                      </p:cBhvr>
+                                    </p:animEffect>
+                                  </p:childTnLst>
+                                </p:cTn>
+                              </p:par>
+                            </p:childTnLst>
+                          </p:cTn>
+                        </p:par>
+                      </p:childTnLst>
+                    </p:cTn>
+                  </p:par>
+                  <p:par>
+                    <p:cTn id="8" fill="hold">
+                      <p:stCondLst>
+                        <p:cond delay="indefinite"/>
+                      </p:stCondLst>
+                      <p:childTnLst>
+                        <p:par>
+                          <p:cTn id="9" fill="hold">
+                            <p:stCondLst>
+                              <p:cond delay="0"/>
+                            </p:stCondLst>
+                            <p:childTnLst>
+                              <p:par>
+                                <p:cTn id="10" presetID="14" presetClass="entr" presetSubtype="10" fill="hold" grpId="0" nodeType="clickEffect">
+                                  <p:stCondLst>
+                                    <p:cond delay="0"/>
+                                  </p:stCondLst>
+                                  <p:childTnLst>
+                                    <p:set>
+                                      <p:cBhvr>
+                                        <p:cTn id="11" dur="1" fill="hold">
+                                          <p:stCondLst>
+                                            <p:cond delay="0"/>
+                                          </p:stCondLst>
+                                        </p:cTn>
+                                        <p:tgtEl>
+                                          <p:spTgt spid="3">
+                                            <p:txEl>
+                                              <p:pRg st="1" end="1"/>
+                                            </p:txEl>
+                                          </p:spTgt>
+                                        </p:tgtEl>
+                                        <p:attrNameLst>
+                                          <p:attrName>style.visibility</p:attrName>
+                                        </p:attrNameLst>
+                                      </p:cBhvr>
+                                      <p:to>
+                                        <p:strVal val="visible"/>
+                                      </p:to>
+                                    </p:set>
+                                    <p:animEffect transition="in" filter="randombar(horizontal)">
+                                      <p:cBhvr>
+                                        <p:cTn id="12" dur="500"/>
+                                        <p:tgtEl>
+                                          <p:spTgt spid="3">
+                                            <p:txEl>
+                                              <p:pRg st="1" end="1"/>
+                                            </p:txEl>
+                                          </p:spTgt>
+                                        </p:tgtEl>
+                                      </p:cBhvr>
+                                    </p:animEffect>
+                                  </p:childTnLst>
+                                </p:cTn>
+                              </p:par>
+                            </p:childTnLst>
+                          </p:cTn>
+                        </p:par>
+                      </p:childTnLst>
+                    </p:cTn>
+                  </p:par>
+                  <p:par>
+                    <p:cTn id="13" fill="hold">
+                      <p:stCondLst>
+                        <p:cond delay="indefinite"/>
+                      </p:stCondLst>
+                      <p:childTnLst>
+                        <p:par>
+                          <p:cTn id="14" fill="hold">
+                            <p:stCondLst>
+                              <p:cond delay="0"/>
+                            </p:stCondLst>
+                            <p:childTnLst>
+                              <p:par>
+                                <p:cTn id="15" presetID="14" presetClass="entr" presetSubtype="10" fill="hold" grpId="0" nodeType="clickEffect">
+                                  <p:stCondLst>
+                                    <p:cond delay="0"/>
+                                  </p:stCondLst>
+                                  <p:childTnLst>
+                                    <p:set>
+                                      <p:cBhvr>
+                                        <p:cTn id="16" dur="1" fill="hold">
+                                          <p:stCondLst>
+                                            <p:cond delay="0"/>
+                                          </p:stCondLst>
+                                        </p:cTn>
+                                        <p:tgtEl>
+                                          <p:spTgt spid="3">
+                                            <p:txEl>
+                                              <p:pRg st="3" end="3"/>
+                                            </p:txEl>
+                                          </p:spTgt>
+                                        </p:tgtEl>
+                                        <p:attrNameLst>
+                                          <p:attrName>style.visibility</p:attrName>
+                                        </p:attrNameLst>
+                                      </p:cBhvr>
+                                      <p:to>
+                                        <p:strVal val="visible"/>
+                                      </p:to>
+                                    </p:set>
+                                    <p:animEffect transition="in" filter="randombar(horizontal)">
+                                      <p:cBhvr>
+                                        <p:cTn id="17" dur="500"/>
+                                        <p:tgtEl>
+                                          <p:spTgt spid="3">
+                                            <p:txEl>
+                                              <p:pRg st="3" end="3"/>
+                                            </p:txEl>
+                                          </p:spTgt>
+                                        </p:tgtEl>
+                                      </p:cBhvr>
+                                    </p:animEffect>
+                                  </p:childTnLst>
+                                </p:cTn>
+                              </p:par>
+                            </p:childTnLst>
+                          </p:cTn>
+                        </p:par>
+                      </p:childTnLst>
+                    </p:cTn>
+                  </p:par>
+                  <p:par>
+                    <p:cTn id="18" fill="hold">
+                      <p:stCondLst>
+                        <p:cond delay="indefinite"/>
+                      </p:stCondLst>
+                      <p:childTnLst>
+                        <p:par>
+                          <p:cTn id="19" fill="hold">
+                            <p:stCondLst>
+                              <p:cond delay="0"/>
+                            </p:stCondLst>
+                            <p:childTnLst>
+                              <p:par>
+                                <p:cTn id="20" presetID="14" presetClass="entr" presetSubtype="10" fill="hold" grpId="0" nodeType="clickEffect">
+                                  <p:stCondLst>
+                                    <p:cond delay="0"/>
+                                  </p:stCondLst>
+                                  <p:childTnLst>
+                                    <p:set>
+                                      <p:cBhvr>
+                                        <p:cTn id="21" dur="1" fill="hold">
+                                          <p:stCondLst>
+                                            <p:cond delay="0"/>
+                                          </p:stCondLst>
+                                        </p:cTn>
+                                        <p:tgtEl>
+                                          <p:spTgt spid="3">
+                                            <p:txEl>
+                                              <p:pRg st="4" end="4"/>
+                                            </p:txEl>
+                                          </p:spTgt>
+                                        </p:tgtEl>
+                                        <p:attrNameLst>
+                                          <p:attrName>style.visibility</p:attrName>
+                                        </p:attrNameLst>
+                                      </p:cBhvr>
+                                      <p:to>
+                                        <p:strVal val="visible"/>
+                                      </p:to>
+                                    </p:set>
+                                    <p:animEffect transition="in" filter="randombar(horizontal)">
+                                      <p:cBhvr>
+                                        <p:cTn id="22" dur="500"/>
+                                        <p:tgtEl>
+                                          <p:spTgt spid="3">
+                                            <p:txEl>
+                                              <p:pRg st="4" end="4"/>
+                                            </p:txEl>
+                                          </p:spTgt>
+                                        </p:tgtEl>
+                                      </p:cBhvr>
+                                    </p:animEffect>
+                                  </p:childTnLst>
+                                </p:cTn>
+                              </p:par>
+                            </p:childTnLst>
+                          </p:cTn>
+                        </p:par>
+                      </p:childTnLst>
+                    </p:cTn>
+                  </p:par>
+                  <p:par>
+                    <p:cTn id="23" fill="hold">
+                      <p:stCondLst>
+                        <p:cond delay="indefinite"/>
+                      </p:stCondLst>
+                      <p:childTnLst>
+                        <p:par>
+                          <p:cTn id="24" fill="hold">
+                            <p:stCondLst>
+                              <p:cond delay="0"/>
+                            </p:stCondLst>
+                            <p:childTnLst>
+                              <p:par>
+                                <p:cTn id="25" presetID="14" presetClass="entr" presetSubtype="10" fill="hold" grpId="0" nodeType="clickEffect">
+                                  <p:stCondLst>
+                                    <p:cond delay="0"/>
+                                  </p:stCondLst>
+                                  <p:childTnLst>
+                                    <p:set>
+                                      <p:cBhvr>
+                                        <p:cTn id="26" dur="1" fill="hold">
+                                          <p:stCondLst>
+                                            <p:cond delay="0"/>
+                                          </p:stCondLst>
+                                        </p:cTn>
+                                        <p:tgtEl>
+                                          <p:spTgt spid="3">
+                                            <p:txEl>
+                                              <p:pRg st="5" end="5"/>
+                                            </p:txEl>
+                                          </p:spTgt>
+                                        </p:tgtEl>
+                                        <p:attrNameLst>
+                                          <p:attrName>style.visibility</p:attrName>
+                                        </p:attrNameLst>
+                                      </p:cBhvr>
+                                      <p:to>
+                                        <p:strVal val="visible"/>
+                                      </p:to>
+                                    </p:set>
+                                    <p:animEffect transition="in" filter="randombar(horizontal)">
+                                      <p:cBhvr>
+                                        <p:cTn id="27" dur="500"/>
+                                        <p:tgtEl>
+                                          <p:spTgt spid="3">
+                                            <p:txEl>
+                                              <p:pRg st="5" end="5"/>
+                                            </p:txEl>
+                                          </p:spTgt>
+                                        </p:tgtEl>
+                                      </p:cBhvr>
+                                    </p:animEffect>
+                                  </p:childTnLst>
+                                </p:cTn>
+                              </p:par>
+                            </p:childTnLst>
+                          </p:cTn>
+                        </p:par>
+                      </p:childTnLst>
+                    </p:cTn>
+                  </p:par>
+                  <p:par>
+                    <p:cTn id="28" fill="hold">
+                      <p:stCondLst>
+                        <p:cond delay="indefinite"/>
+                      </p:stCondLst>
+                      <p:childTnLst>
+                        <p:par>
+                          <p:cTn id="29" fill="hold">
+                            <p:stCondLst>
+                              <p:cond delay="0"/>
+                            </p:stCondLst>
+                            <p:childTnLst>
+                              <p:par>
+                                <p:cTn id="30" presetID="14" presetClass="entr" presetSubtype="10" fill="hold" grpId="0" nodeType="clickEffect">
+                                  <p:stCondLst>
+                                    <p:cond delay="0"/>
+                                  </p:stCondLst>
+                                  <p:childTnLst>
+                                    <p:set>
+                                      <p:cBhvr>
+                                        <p:cTn id="31" dur="1" fill="hold">
+                                          <p:stCondLst>
+                                            <p:cond delay="0"/>
+                                          </p:stCondLst>
+                                        </p:cTn>
+                                        <p:tgtEl>
+                                          <p:spTgt spid="3">
+                                            <p:txEl>
+                                              <p:pRg st="6" end="6"/>
+                                            </p:txEl>
+                                          </p:spTgt>
+                                        </p:tgtEl>
+                                        <p:attrNameLst>
+                                          <p:attrName>style.visibility</p:attrName>
+                                        </p:attrNameLst>
+                                      </p:cBhvr>
+                                      <p:to>
+                                        <p:strVal val="visible"/>
+                                      </p:to>
+                                    </p:set>
+                                    <p:animEffect transition="in" filter="randombar(horizontal)">
+                                      <p:cBhvr>
+                                        <p:cTn id="32" dur="500"/>
+                                        <p:tgtEl>
+                                          <p:spTgt spid="3">
+                                            <p:txEl>
+                                              <p:pRg st="6" end="6"/>
+                                            </p:txEl>
+                                          </p:spTgt>
+                                        </p:tgtEl>
+                                      </p:cBhvr>
+                                    </p:animEffect>
+                                  </p:childTnLst>
+                                </p:cTn>
+                              </p:par>
+                            </p:childTnLst>
+                          </p:cTn>
+                        </p:par>
+                      </p:childTnLst>
+                    </p:cTn>
+                  </p:par>
+                </p:childTnLst>
+              </p:cTn>
+              <p:prevCondLst>
+                <p:cond evt="onPrev" delay="0">
+                  <p:tgtEl>
+                    <p:sldTgt/>
+                  </p:tgtEl>
+                </p:cond>
+              </p:prevCondLst>
+              <p:nextCondLst>
+                <p:cond evt="onNext" delay="0">
+                  <p:tgtEl>
+                    <p:sldTgt/>
+                  </p:tgtEl>
+                </p:cond>
+              </p:nextCondLst>
+            </p:seq>
+          </p:childTnLst>
+        </p:cTn>
+      </p:par>
+    </p:tnLst>
+    <p:bldLst>
+      <p:bldP spid="3" grpId="0" build="p"/>
+    </p:bldLst>
   </p:timing>
 </p:sld>
 </file>
